--- a/document/29-設計簡報.pptx
+++ b/document/29-設計簡報.pptx
@@ -7,10 +7,12 @@
   <p:sldIdLst>
     <p:sldId id="256" r:id="rId2"/>
     <p:sldId id="260" r:id="rId3"/>
-    <p:sldId id="261" r:id="rId4"/>
-    <p:sldId id="257" r:id="rId5"/>
-    <p:sldId id="258" r:id="rId6"/>
-    <p:sldId id="259" r:id="rId7"/>
+    <p:sldId id="257" r:id="rId4"/>
+    <p:sldId id="262" r:id="rId5"/>
+    <p:sldId id="263" r:id="rId6"/>
+    <p:sldId id="261" r:id="rId7"/>
+    <p:sldId id="258" r:id="rId8"/>
+    <p:sldId id="259" r:id="rId9"/>
   </p:sldIdLst>
   <p:sldSz cx="12192000" cy="6858000"/>
   <p:notesSz cx="6858000" cy="9144000"/>
@@ -109,6 +111,11 @@
       </a:defRPr>
     </a:lvl9pPr>
   </p:defaultTextStyle>
+  <p:extLst>
+    <p:ext uri="{EFAFB233-063F-42B5-8137-9DF3F51BA10A}">
+      <p15:sldGuideLst xmlns:p15="http://schemas.microsoft.com/office/powerpoint/2012/main"/>
+    </p:ext>
+  </p:extLst>
 </p:presentation>
 </file>
 
@@ -259,7 +266,7 @@
           <a:p>
             <a:fld id="{794ACF5A-D056-42B9-A85C-B5DE62579686}" type="datetimeFigureOut">
               <a:rPr lang="zh-TW" altLang="en-US" smtClean="0"/>
-              <a:t>2024/5/18</a:t>
+              <a:t>2024/5/21</a:t>
             </a:fld>
             <a:endParaRPr lang="zh-TW" altLang="en-US"/>
           </a:p>
@@ -457,7 +464,7 @@
           <a:p>
             <a:fld id="{794ACF5A-D056-42B9-A85C-B5DE62579686}" type="datetimeFigureOut">
               <a:rPr lang="zh-TW" altLang="en-US" smtClean="0"/>
-              <a:t>2024/5/18</a:t>
+              <a:t>2024/5/21</a:t>
             </a:fld>
             <a:endParaRPr lang="zh-TW" altLang="en-US"/>
           </a:p>
@@ -665,7 +672,7 @@
           <a:p>
             <a:fld id="{794ACF5A-D056-42B9-A85C-B5DE62579686}" type="datetimeFigureOut">
               <a:rPr lang="zh-TW" altLang="en-US" smtClean="0"/>
-              <a:t>2024/5/18</a:t>
+              <a:t>2024/5/21</a:t>
             </a:fld>
             <a:endParaRPr lang="zh-TW" altLang="en-US"/>
           </a:p>
@@ -863,7 +870,7 @@
           <a:p>
             <a:fld id="{794ACF5A-D056-42B9-A85C-B5DE62579686}" type="datetimeFigureOut">
               <a:rPr lang="zh-TW" altLang="en-US" smtClean="0"/>
-              <a:t>2024/5/18</a:t>
+              <a:t>2024/5/21</a:t>
             </a:fld>
             <a:endParaRPr lang="zh-TW" altLang="en-US"/>
           </a:p>
@@ -1138,7 +1145,7 @@
           <a:p>
             <a:fld id="{794ACF5A-D056-42B9-A85C-B5DE62579686}" type="datetimeFigureOut">
               <a:rPr lang="zh-TW" altLang="en-US" smtClean="0"/>
-              <a:t>2024/5/18</a:t>
+              <a:t>2024/5/21</a:t>
             </a:fld>
             <a:endParaRPr lang="zh-TW" altLang="en-US"/>
           </a:p>
@@ -1403,7 +1410,7 @@
           <a:p>
             <a:fld id="{794ACF5A-D056-42B9-A85C-B5DE62579686}" type="datetimeFigureOut">
               <a:rPr lang="zh-TW" altLang="en-US" smtClean="0"/>
-              <a:t>2024/5/18</a:t>
+              <a:t>2024/5/21</a:t>
             </a:fld>
             <a:endParaRPr lang="zh-TW" altLang="en-US"/>
           </a:p>
@@ -1815,7 +1822,7 @@
           <a:p>
             <a:fld id="{794ACF5A-D056-42B9-A85C-B5DE62579686}" type="datetimeFigureOut">
               <a:rPr lang="zh-TW" altLang="en-US" smtClean="0"/>
-              <a:t>2024/5/18</a:t>
+              <a:t>2024/5/21</a:t>
             </a:fld>
             <a:endParaRPr lang="zh-TW" altLang="en-US"/>
           </a:p>
@@ -1956,7 +1963,7 @@
           <a:p>
             <a:fld id="{794ACF5A-D056-42B9-A85C-B5DE62579686}" type="datetimeFigureOut">
               <a:rPr lang="zh-TW" altLang="en-US" smtClean="0"/>
-              <a:t>2024/5/18</a:t>
+              <a:t>2024/5/21</a:t>
             </a:fld>
             <a:endParaRPr lang="zh-TW" altLang="en-US"/>
           </a:p>
@@ -2069,7 +2076,7 @@
           <a:p>
             <a:fld id="{794ACF5A-D056-42B9-A85C-B5DE62579686}" type="datetimeFigureOut">
               <a:rPr lang="zh-TW" altLang="en-US" smtClean="0"/>
-              <a:t>2024/5/18</a:t>
+              <a:t>2024/5/21</a:t>
             </a:fld>
             <a:endParaRPr lang="zh-TW" altLang="en-US"/>
           </a:p>
@@ -2380,7 +2387,7 @@
           <a:p>
             <a:fld id="{794ACF5A-D056-42B9-A85C-B5DE62579686}" type="datetimeFigureOut">
               <a:rPr lang="zh-TW" altLang="en-US" smtClean="0"/>
-              <a:t>2024/5/18</a:t>
+              <a:t>2024/5/21</a:t>
             </a:fld>
             <a:endParaRPr lang="zh-TW" altLang="en-US"/>
           </a:p>
@@ -2668,7 +2675,7 @@
           <a:p>
             <a:fld id="{794ACF5A-D056-42B9-A85C-B5DE62579686}" type="datetimeFigureOut">
               <a:rPr lang="zh-TW" altLang="en-US" smtClean="0"/>
-              <a:t>2024/5/18</a:t>
+              <a:t>2024/5/21</a:t>
             </a:fld>
             <a:endParaRPr lang="zh-TW" altLang="en-US"/>
           </a:p>
@@ -2909,7 +2916,7 @@
           <a:p>
             <a:fld id="{794ACF5A-D056-42B9-A85C-B5DE62579686}" type="datetimeFigureOut">
               <a:rPr lang="zh-TW" altLang="en-US" smtClean="0"/>
-              <a:t>2024/5/18</a:t>
+              <a:t>2024/5/21</a:t>
             </a:fld>
             <a:endParaRPr lang="zh-TW" altLang="en-US"/>
           </a:p>
@@ -3481,6 +3488,510 @@
       </p:grpSpPr>
       <p:sp>
         <p:nvSpPr>
+          <p:cNvPr id="4" name="標題 3">
+            <a:extLst>
+              <a:ext uri="{FF2B5EF4-FFF2-40B4-BE49-F238E27FC236}">
+                <a16:creationId xmlns:a16="http://schemas.microsoft.com/office/drawing/2014/main" id="{76497D4B-B3B5-47E4-9D2E-772E3F8FFAE3}"/>
+              </a:ext>
+            </a:extLst>
+          </p:cNvPr>
+          <p:cNvSpPr>
+            <a:spLocks noGrp="1"/>
+          </p:cNvSpPr>
+          <p:nvPr>
+            <p:ph type="title"/>
+          </p:nvPr>
+        </p:nvSpPr>
+        <p:spPr/>
+        <p:txBody>
+          <a:bodyPr/>
+          <a:lstStyle/>
+          <a:p>
+            <a:r>
+              <a:rPr lang="zh-TW" altLang="en-US" dirty="0"/>
+              <a:t>設計構想</a:t>
+            </a:r>
+          </a:p>
+        </p:txBody>
+      </p:sp>
+      <p:pic>
+        <p:nvPicPr>
+          <p:cNvPr id="8" name="圖片 7">
+            <a:extLst>
+              <a:ext uri="{FF2B5EF4-FFF2-40B4-BE49-F238E27FC236}">
+                <a16:creationId xmlns:a16="http://schemas.microsoft.com/office/drawing/2014/main" id="{16EC54CE-2C29-4FF8-80F4-EDF44541700F}"/>
+              </a:ext>
+            </a:extLst>
+          </p:cNvPr>
+          <p:cNvPicPr>
+            <a:picLocks noChangeAspect="1"/>
+          </p:cNvPicPr>
+          <p:nvPr/>
+        </p:nvPicPr>
+        <p:blipFill>
+          <a:blip r:embed="rId2">
+            <a:extLst>
+              <a:ext uri="{28A0092B-C50C-407E-A947-70E740481C1C}">
+                <a14:useLocalDpi xmlns:a14="http://schemas.microsoft.com/office/drawing/2010/main" val="0"/>
+              </a:ext>
+            </a:extLst>
+          </a:blip>
+          <a:stretch>
+            <a:fillRect/>
+          </a:stretch>
+        </p:blipFill>
+        <p:spPr>
+          <a:xfrm>
+            <a:off x="1924571" y="2451222"/>
+            <a:ext cx="8342857" cy="1955555"/>
+          </a:xfrm>
+          <a:prstGeom prst="rect">
+            <a:avLst/>
+          </a:prstGeom>
+        </p:spPr>
+      </p:pic>
+      <p:sp>
+        <p:nvSpPr>
+          <p:cNvPr id="2" name="文字方塊 1">
+            <a:extLst>
+              <a:ext uri="{FF2B5EF4-FFF2-40B4-BE49-F238E27FC236}">
+                <a16:creationId xmlns:a16="http://schemas.microsoft.com/office/drawing/2014/main" id="{30F0F42C-BFA0-426F-8D8C-22F6E21450F6}"/>
+              </a:ext>
+            </a:extLst>
+          </p:cNvPr>
+          <p:cNvSpPr txBox="1"/>
+          <p:nvPr/>
+        </p:nvSpPr>
+        <p:spPr>
+          <a:xfrm>
+            <a:off x="2201574" y="4144743"/>
+            <a:ext cx="996778" cy="369332"/>
+          </a:xfrm>
+          <a:prstGeom prst="rect">
+            <a:avLst/>
+          </a:prstGeom>
+          <a:noFill/>
+        </p:spPr>
+        <p:txBody>
+          <a:bodyPr wrap="square" rtlCol="0" anchor="ctr">
+            <a:spAutoFit/>
+          </a:bodyPr>
+          <a:lstStyle/>
+          <a:p>
+            <a:pPr algn="ctr"/>
+            <a:r>
+              <a:rPr lang="en-US" altLang="zh-TW" dirty="0"/>
+              <a:t>F4F5F5</a:t>
+            </a:r>
+            <a:endParaRPr lang="zh-TW" altLang="en-US" dirty="0"/>
+          </a:p>
+        </p:txBody>
+      </p:sp>
+      <p:sp>
+        <p:nvSpPr>
+          <p:cNvPr id="5" name="文字方塊 4">
+            <a:extLst>
+              <a:ext uri="{FF2B5EF4-FFF2-40B4-BE49-F238E27FC236}">
+                <a16:creationId xmlns:a16="http://schemas.microsoft.com/office/drawing/2014/main" id="{DC3253C5-33A3-4732-A312-70E9D3144423}"/>
+              </a:ext>
+            </a:extLst>
+          </p:cNvPr>
+          <p:cNvSpPr txBox="1"/>
+          <p:nvPr/>
+        </p:nvSpPr>
+        <p:spPr>
+          <a:xfrm>
+            <a:off x="3544318" y="4144743"/>
+            <a:ext cx="996778" cy="369332"/>
+          </a:xfrm>
+          <a:prstGeom prst="rect">
+            <a:avLst/>
+          </a:prstGeom>
+          <a:noFill/>
+        </p:spPr>
+        <p:txBody>
+          <a:bodyPr wrap="square" rtlCol="0" anchor="ctr">
+            <a:spAutoFit/>
+          </a:bodyPr>
+          <a:lstStyle/>
+          <a:p>
+            <a:pPr algn="ctr"/>
+            <a:r>
+              <a:rPr lang="en-US" altLang="zh-TW" dirty="0"/>
+              <a:t>475F69</a:t>
+            </a:r>
+            <a:endParaRPr lang="zh-TW" altLang="en-US" dirty="0"/>
+          </a:p>
+        </p:txBody>
+      </p:sp>
+      <p:sp>
+        <p:nvSpPr>
+          <p:cNvPr id="6" name="文字方塊 5">
+            <a:extLst>
+              <a:ext uri="{FF2B5EF4-FFF2-40B4-BE49-F238E27FC236}">
+                <a16:creationId xmlns:a16="http://schemas.microsoft.com/office/drawing/2014/main" id="{101089ED-4ED3-4AA0-994D-80C93D76738D}"/>
+              </a:ext>
+            </a:extLst>
+          </p:cNvPr>
+          <p:cNvSpPr txBox="1"/>
+          <p:nvPr/>
+        </p:nvSpPr>
+        <p:spPr>
+          <a:xfrm>
+            <a:off x="4895372" y="4130488"/>
+            <a:ext cx="996778" cy="369332"/>
+          </a:xfrm>
+          <a:prstGeom prst="rect">
+            <a:avLst/>
+          </a:prstGeom>
+          <a:noFill/>
+        </p:spPr>
+        <p:txBody>
+          <a:bodyPr wrap="square" rtlCol="0" anchor="ctr">
+            <a:spAutoFit/>
+          </a:bodyPr>
+          <a:lstStyle/>
+          <a:p>
+            <a:pPr algn="ctr"/>
+            <a:r>
+              <a:rPr lang="en-US" altLang="zh-TW" dirty="0"/>
+              <a:t>C83E4D</a:t>
+            </a:r>
+            <a:endParaRPr lang="zh-TW" altLang="en-US" dirty="0"/>
+          </a:p>
+        </p:txBody>
+      </p:sp>
+      <p:sp>
+        <p:nvSpPr>
+          <p:cNvPr id="7" name="文字方塊 6">
+            <a:extLst>
+              <a:ext uri="{FF2B5EF4-FFF2-40B4-BE49-F238E27FC236}">
+                <a16:creationId xmlns:a16="http://schemas.microsoft.com/office/drawing/2014/main" id="{9B7490B8-80BF-46C8-AA4C-EF2B53212F45}"/>
+              </a:ext>
+            </a:extLst>
+          </p:cNvPr>
+          <p:cNvSpPr txBox="1"/>
+          <p:nvPr/>
+        </p:nvSpPr>
+        <p:spPr>
+          <a:xfrm>
+            <a:off x="6246426" y="4130488"/>
+            <a:ext cx="996778" cy="369332"/>
+          </a:xfrm>
+          <a:prstGeom prst="rect">
+            <a:avLst/>
+          </a:prstGeom>
+          <a:noFill/>
+        </p:spPr>
+        <p:txBody>
+          <a:bodyPr wrap="square" rtlCol="0" anchor="ctr">
+            <a:spAutoFit/>
+          </a:bodyPr>
+          <a:lstStyle/>
+          <a:p>
+            <a:pPr algn="ctr"/>
+            <a:r>
+              <a:rPr lang="en-US" altLang="zh-TW" dirty="0"/>
+              <a:t>30E59D</a:t>
+            </a:r>
+            <a:endParaRPr lang="zh-TW" altLang="en-US" dirty="0"/>
+          </a:p>
+        </p:txBody>
+      </p:sp>
+      <p:sp>
+        <p:nvSpPr>
+          <p:cNvPr id="9" name="文字方塊 8">
+            <a:extLst>
+              <a:ext uri="{FF2B5EF4-FFF2-40B4-BE49-F238E27FC236}">
+                <a16:creationId xmlns:a16="http://schemas.microsoft.com/office/drawing/2014/main" id="{7DCE67A2-8C97-42F3-BEA7-27A6B44F79ED}"/>
+              </a:ext>
+            </a:extLst>
+          </p:cNvPr>
+          <p:cNvSpPr txBox="1"/>
+          <p:nvPr/>
+        </p:nvSpPr>
+        <p:spPr>
+          <a:xfrm>
+            <a:off x="7650906" y="4144743"/>
+            <a:ext cx="996778" cy="369332"/>
+          </a:xfrm>
+          <a:prstGeom prst="rect">
+            <a:avLst/>
+          </a:prstGeom>
+          <a:noFill/>
+        </p:spPr>
+        <p:txBody>
+          <a:bodyPr wrap="square" rtlCol="0" anchor="ctr">
+            <a:spAutoFit/>
+          </a:bodyPr>
+          <a:lstStyle/>
+          <a:p>
+            <a:pPr algn="ctr"/>
+            <a:r>
+              <a:rPr lang="en-US" altLang="zh-TW" dirty="0"/>
+              <a:t>73709E</a:t>
+            </a:r>
+            <a:endParaRPr lang="zh-TW" altLang="en-US" dirty="0"/>
+          </a:p>
+        </p:txBody>
+      </p:sp>
+      <p:sp>
+        <p:nvSpPr>
+          <p:cNvPr id="10" name="文字方塊 9">
+            <a:extLst>
+              <a:ext uri="{FF2B5EF4-FFF2-40B4-BE49-F238E27FC236}">
+                <a16:creationId xmlns:a16="http://schemas.microsoft.com/office/drawing/2014/main" id="{374B2909-5701-4C44-9FDD-F6532D85C766}"/>
+              </a:ext>
+            </a:extLst>
+          </p:cNvPr>
+          <p:cNvSpPr txBox="1"/>
+          <p:nvPr/>
+        </p:nvSpPr>
+        <p:spPr>
+          <a:xfrm>
+            <a:off x="8993648" y="4144743"/>
+            <a:ext cx="996778" cy="369332"/>
+          </a:xfrm>
+          <a:prstGeom prst="rect">
+            <a:avLst/>
+          </a:prstGeom>
+          <a:noFill/>
+        </p:spPr>
+        <p:txBody>
+          <a:bodyPr wrap="square" rtlCol="0" anchor="ctr">
+            <a:spAutoFit/>
+          </a:bodyPr>
+          <a:lstStyle/>
+          <a:p>
+            <a:pPr algn="ctr"/>
+            <a:r>
+              <a:rPr lang="en-US" altLang="zh-TW" dirty="0"/>
+              <a:t>D9D9D9</a:t>
+            </a:r>
+            <a:endParaRPr lang="zh-TW" altLang="en-US" dirty="0"/>
+          </a:p>
+        </p:txBody>
+      </p:sp>
+    </p:spTree>
+    <p:extLst>
+      <p:ext uri="{BB962C8B-B14F-4D97-AF65-F5344CB8AC3E}">
+        <p14:creationId xmlns:p14="http://schemas.microsoft.com/office/powerpoint/2010/main" val="3266994584"/>
+      </p:ext>
+    </p:extLst>
+  </p:cSld>
+  <p:clrMapOvr>
+    <a:masterClrMapping/>
+  </p:clrMapOvr>
+</p:sld>
+</file>
+
+<file path=ppt/slides/slide4.xml><?xml version="1.0" encoding="utf-8"?>
+<p:sld xmlns:a="http://schemas.openxmlformats.org/drawingml/2006/main" xmlns:r="http://schemas.openxmlformats.org/officeDocument/2006/relationships" xmlns:p="http://schemas.openxmlformats.org/presentationml/2006/main">
+  <p:cSld>
+    <p:spTree>
+      <p:nvGrpSpPr>
+        <p:cNvPr id="1" name=""/>
+        <p:cNvGrpSpPr/>
+        <p:nvPr/>
+      </p:nvGrpSpPr>
+      <p:grpSpPr>
+        <a:xfrm>
+          <a:off x="0" y="0"/>
+          <a:ext cx="0" cy="0"/>
+          <a:chOff x="0" y="0"/>
+          <a:chExt cx="0" cy="0"/>
+        </a:xfrm>
+      </p:grpSpPr>
+      <p:sp>
+        <p:nvSpPr>
+          <p:cNvPr id="4" name="標題 3">
+            <a:extLst>
+              <a:ext uri="{FF2B5EF4-FFF2-40B4-BE49-F238E27FC236}">
+                <a16:creationId xmlns:a16="http://schemas.microsoft.com/office/drawing/2014/main" id="{76497D4B-B3B5-47E4-9D2E-772E3F8FFAE3}"/>
+              </a:ext>
+            </a:extLst>
+          </p:cNvPr>
+          <p:cNvSpPr>
+            <a:spLocks noGrp="1"/>
+          </p:cNvSpPr>
+          <p:nvPr>
+            <p:ph type="title"/>
+          </p:nvPr>
+        </p:nvSpPr>
+        <p:spPr/>
+        <p:txBody>
+          <a:bodyPr/>
+          <a:lstStyle/>
+          <a:p>
+            <a:r>
+              <a:rPr lang="zh-TW" altLang="en-US" dirty="0"/>
+              <a:t>設計構想</a:t>
+            </a:r>
+          </a:p>
+        </p:txBody>
+      </p:sp>
+      <p:pic>
+        <p:nvPicPr>
+          <p:cNvPr id="13" name="圖片 12">
+            <a:extLst>
+              <a:ext uri="{FF2B5EF4-FFF2-40B4-BE49-F238E27FC236}">
+                <a16:creationId xmlns:a16="http://schemas.microsoft.com/office/drawing/2014/main" id="{970534C5-70D3-4C06-8F52-3381478E9AC6}"/>
+              </a:ext>
+            </a:extLst>
+          </p:cNvPr>
+          <p:cNvPicPr>
+            <a:picLocks noChangeAspect="1"/>
+          </p:cNvPicPr>
+          <p:nvPr/>
+        </p:nvPicPr>
+        <p:blipFill>
+          <a:blip r:embed="rId2">
+            <a:extLst>
+              <a:ext uri="{28A0092B-C50C-407E-A947-70E740481C1C}">
+                <a14:useLocalDpi xmlns:a14="http://schemas.microsoft.com/office/drawing/2010/main" val="0"/>
+              </a:ext>
+            </a:extLst>
+          </a:blip>
+          <a:stretch>
+            <a:fillRect/>
+          </a:stretch>
+        </p:blipFill>
+        <p:spPr>
+          <a:xfrm>
+            <a:off x="4481384" y="2291583"/>
+            <a:ext cx="2602919" cy="2665640"/>
+          </a:xfrm>
+          <a:prstGeom prst="rect">
+            <a:avLst/>
+          </a:prstGeom>
+        </p:spPr>
+      </p:pic>
+    </p:spTree>
+    <p:extLst>
+      <p:ext uri="{BB962C8B-B14F-4D97-AF65-F5344CB8AC3E}">
+        <p14:creationId xmlns:p14="http://schemas.microsoft.com/office/powerpoint/2010/main" val="249545011"/>
+      </p:ext>
+    </p:extLst>
+  </p:cSld>
+  <p:clrMapOvr>
+    <a:masterClrMapping/>
+  </p:clrMapOvr>
+</p:sld>
+</file>
+
+<file path=ppt/slides/slide5.xml><?xml version="1.0" encoding="utf-8"?>
+<p:sld xmlns:a="http://schemas.openxmlformats.org/drawingml/2006/main" xmlns:r="http://schemas.openxmlformats.org/officeDocument/2006/relationships" xmlns:p="http://schemas.openxmlformats.org/presentationml/2006/main">
+  <p:cSld>
+    <p:spTree>
+      <p:nvGrpSpPr>
+        <p:cNvPr id="1" name=""/>
+        <p:cNvGrpSpPr/>
+        <p:nvPr/>
+      </p:nvGrpSpPr>
+      <p:grpSpPr>
+        <a:xfrm>
+          <a:off x="0" y="0"/>
+          <a:ext cx="0" cy="0"/>
+          <a:chOff x="0" y="0"/>
+          <a:chExt cx="0" cy="0"/>
+        </a:xfrm>
+      </p:grpSpPr>
+      <p:sp>
+        <p:nvSpPr>
+          <p:cNvPr id="4" name="標題 3">
+            <a:extLst>
+              <a:ext uri="{FF2B5EF4-FFF2-40B4-BE49-F238E27FC236}">
+                <a16:creationId xmlns:a16="http://schemas.microsoft.com/office/drawing/2014/main" id="{76497D4B-B3B5-47E4-9D2E-772E3F8FFAE3}"/>
+              </a:ext>
+            </a:extLst>
+          </p:cNvPr>
+          <p:cNvSpPr>
+            <a:spLocks noGrp="1"/>
+          </p:cNvSpPr>
+          <p:nvPr>
+            <p:ph type="title"/>
+          </p:nvPr>
+        </p:nvSpPr>
+        <p:spPr/>
+        <p:txBody>
+          <a:bodyPr/>
+          <a:lstStyle/>
+          <a:p>
+            <a:r>
+              <a:rPr lang="zh-TW" altLang="en-US" dirty="0"/>
+              <a:t>設計構想</a:t>
+            </a:r>
+          </a:p>
+        </p:txBody>
+      </p:sp>
+      <p:pic>
+        <p:nvPicPr>
+          <p:cNvPr id="5" name="圖片 4">
+            <a:extLst>
+              <a:ext uri="{FF2B5EF4-FFF2-40B4-BE49-F238E27FC236}">
+                <a16:creationId xmlns:a16="http://schemas.microsoft.com/office/drawing/2014/main" id="{BCDCCFF7-2B1D-4CC7-B978-58AE7D90E113}"/>
+              </a:ext>
+            </a:extLst>
+          </p:cNvPr>
+          <p:cNvPicPr>
+            <a:picLocks noChangeAspect="1"/>
+          </p:cNvPicPr>
+          <p:nvPr/>
+        </p:nvPicPr>
+        <p:blipFill>
+          <a:blip r:embed="rId2">
+            <a:extLst>
+              <a:ext uri="{28A0092B-C50C-407E-A947-70E740481C1C}">
+                <a14:useLocalDpi xmlns:a14="http://schemas.microsoft.com/office/drawing/2010/main" val="0"/>
+              </a:ext>
+            </a:extLst>
+          </a:blip>
+          <a:stretch>
+            <a:fillRect/>
+          </a:stretch>
+        </p:blipFill>
+        <p:spPr>
+          <a:xfrm>
+            <a:off x="4415480" y="2159281"/>
+            <a:ext cx="2965384" cy="3036840"/>
+          </a:xfrm>
+          <a:prstGeom prst="rect">
+            <a:avLst/>
+          </a:prstGeom>
+        </p:spPr>
+      </p:pic>
+    </p:spTree>
+    <p:extLst>
+      <p:ext uri="{BB962C8B-B14F-4D97-AF65-F5344CB8AC3E}">
+        <p14:creationId xmlns:p14="http://schemas.microsoft.com/office/powerpoint/2010/main" val="1178884084"/>
+      </p:ext>
+    </p:extLst>
+  </p:cSld>
+  <p:clrMapOvr>
+    <a:masterClrMapping/>
+  </p:clrMapOvr>
+</p:sld>
+</file>
+
+<file path=ppt/slides/slide6.xml><?xml version="1.0" encoding="utf-8"?>
+<p:sld xmlns:a="http://schemas.openxmlformats.org/drawingml/2006/main" xmlns:r="http://schemas.openxmlformats.org/officeDocument/2006/relationships" xmlns:p="http://schemas.openxmlformats.org/presentationml/2006/main">
+  <p:cSld>
+    <p:spTree>
+      <p:nvGrpSpPr>
+        <p:cNvPr id="1" name=""/>
+        <p:cNvGrpSpPr/>
+        <p:nvPr/>
+      </p:nvGrpSpPr>
+      <p:grpSpPr>
+        <a:xfrm>
+          <a:off x="0" y="0"/>
+          <a:ext cx="0" cy="0"/>
+          <a:chOff x="0" y="0"/>
+          <a:chExt cx="0" cy="0"/>
+        </a:xfrm>
+      </p:grpSpPr>
+      <p:sp>
+        <p:nvSpPr>
           <p:cNvPr id="2" name="標題 1">
             <a:extLst>
               <a:ext uri="{FF2B5EF4-FFF2-40B4-BE49-F238E27FC236}">
@@ -3557,101 +4068,7 @@
 </p:sld>
 </file>
 
-<file path=ppt/slides/slide4.xml><?xml version="1.0" encoding="utf-8"?>
-<p:sld xmlns:a="http://schemas.openxmlformats.org/drawingml/2006/main" xmlns:r="http://schemas.openxmlformats.org/officeDocument/2006/relationships" xmlns:p="http://schemas.openxmlformats.org/presentationml/2006/main">
-  <p:cSld>
-    <p:spTree>
-      <p:nvGrpSpPr>
-        <p:cNvPr id="1" name=""/>
-        <p:cNvGrpSpPr/>
-        <p:nvPr/>
-      </p:nvGrpSpPr>
-      <p:grpSpPr>
-        <a:xfrm>
-          <a:off x="0" y="0"/>
-          <a:ext cx="0" cy="0"/>
-          <a:chOff x="0" y="0"/>
-          <a:chExt cx="0" cy="0"/>
-        </a:xfrm>
-      </p:grpSpPr>
-      <p:sp>
-        <p:nvSpPr>
-          <p:cNvPr id="4" name="標題 3">
-            <a:extLst>
-              <a:ext uri="{FF2B5EF4-FFF2-40B4-BE49-F238E27FC236}">
-                <a16:creationId xmlns:a16="http://schemas.microsoft.com/office/drawing/2014/main" id="{76497D4B-B3B5-47E4-9D2E-772E3F8FFAE3}"/>
-              </a:ext>
-            </a:extLst>
-          </p:cNvPr>
-          <p:cNvSpPr>
-            <a:spLocks noGrp="1"/>
-          </p:cNvSpPr>
-          <p:nvPr>
-            <p:ph type="title"/>
-          </p:nvPr>
-        </p:nvSpPr>
-        <p:spPr/>
-        <p:txBody>
-          <a:bodyPr/>
-          <a:lstStyle/>
-          <a:p>
-            <a:r>
-              <a:rPr lang="zh-TW" altLang="en-US" dirty="0"/>
-              <a:t>設計構想</a:t>
-            </a:r>
-          </a:p>
-        </p:txBody>
-      </p:sp>
-      <p:pic>
-        <p:nvPicPr>
-          <p:cNvPr id="8" name="圖片 7">
-            <a:extLst>
-              <a:ext uri="{FF2B5EF4-FFF2-40B4-BE49-F238E27FC236}">
-                <a16:creationId xmlns:a16="http://schemas.microsoft.com/office/drawing/2014/main" id="{16EC54CE-2C29-4FF8-80F4-EDF44541700F}"/>
-              </a:ext>
-            </a:extLst>
-          </p:cNvPr>
-          <p:cNvPicPr>
-            <a:picLocks noChangeAspect="1"/>
-          </p:cNvPicPr>
-          <p:nvPr/>
-        </p:nvPicPr>
-        <p:blipFill>
-          <a:blip r:embed="rId2">
-            <a:extLst>
-              <a:ext uri="{28A0092B-C50C-407E-A947-70E740481C1C}">
-                <a14:useLocalDpi xmlns:a14="http://schemas.microsoft.com/office/drawing/2010/main" val="0"/>
-              </a:ext>
-            </a:extLst>
-          </a:blip>
-          <a:stretch>
-            <a:fillRect/>
-          </a:stretch>
-        </p:blipFill>
-        <p:spPr>
-          <a:xfrm>
-            <a:off x="1924571" y="2451222"/>
-            <a:ext cx="8342857" cy="1955555"/>
-          </a:xfrm>
-          <a:prstGeom prst="rect">
-            <a:avLst/>
-          </a:prstGeom>
-        </p:spPr>
-      </p:pic>
-    </p:spTree>
-    <p:extLst>
-      <p:ext uri="{BB962C8B-B14F-4D97-AF65-F5344CB8AC3E}">
-        <p14:creationId xmlns:p14="http://schemas.microsoft.com/office/powerpoint/2010/main" val="3266994584"/>
-      </p:ext>
-    </p:extLst>
-  </p:cSld>
-  <p:clrMapOvr>
-    <a:masterClrMapping/>
-  </p:clrMapOvr>
-</p:sld>
-</file>
-
-<file path=ppt/slides/slide5.xml><?xml version="1.0" encoding="utf-8"?>
+<file path=ppt/slides/slide7.xml><?xml version="1.0" encoding="utf-8"?>
 <p:sld xmlns:a="http://schemas.openxmlformats.org/drawingml/2006/main" xmlns:r="http://schemas.openxmlformats.org/officeDocument/2006/relationships" xmlns:p="http://schemas.openxmlformats.org/presentationml/2006/main">
   <p:cSld>
     <p:spTree>
@@ -3745,7 +4162,7 @@
 </p:sld>
 </file>
 
-<file path=ppt/slides/slide6.xml><?xml version="1.0" encoding="utf-8"?>
+<file path=ppt/slides/slide8.xml><?xml version="1.0" encoding="utf-8"?>
 <p:sld xmlns:a="http://schemas.openxmlformats.org/drawingml/2006/main" xmlns:r="http://schemas.openxmlformats.org/officeDocument/2006/relationships" xmlns:p="http://schemas.openxmlformats.org/presentationml/2006/main">
   <p:cSld>
     <p:spTree>
